--- a/Images/Figures_PPT/PieWithRAPTOR.pptx
+++ b/Images/Figures_PPT/PieWithRAPTOR.pptx
@@ -4131,18 +4131,18 @@
           </p:nvSpPr>
           <p:spPr>
             <a:xfrm>
-              <a:off x="5433937" y="2830913"/>
-              <a:ext cx="121987" cy="147126"/>
+              <a:off x="5387759" y="2759252"/>
+              <a:ext cx="168551" cy="218478"/>
             </a:xfrm>
             <a:custGeom>
               <a:avLst/>
               <a:pathLst>
-                <a:path w="121987" h="147126">
+                <a:path w="168551" h="218478">
                   <a:moveTo>
                     <a:pt x="0" y="0"/>
                   </a:moveTo>
                   <a:lnTo>
-                    <a:pt x="121987" y="147126"/>
+                    <a:pt x="168551" y="218478"/>
                   </a:lnTo>
                 </a:path>
               </a:pathLst>
@@ -4171,18 +4171,18 @@
           </p:nvSpPr>
           <p:spPr>
             <a:xfrm>
-              <a:off x="5919721" y="2936424"/>
-              <a:ext cx="262484" cy="117861"/>
+              <a:off x="5919016" y="2927070"/>
+              <a:ext cx="214154" cy="125849"/>
             </a:xfrm>
             <a:custGeom>
               <a:avLst/>
               <a:pathLst>
-                <a:path w="262484" h="117861">
+                <a:path w="214154" h="125849">
                   <a:moveTo>
-                    <a:pt x="262484" y="0"/>
+                    <a:pt x="214154" y="0"/>
                   </a:moveTo>
                   <a:lnTo>
-                    <a:pt x="0" y="117861"/>
+                    <a:pt x="0" y="125849"/>
                   </a:lnTo>
                 </a:path>
               </a:pathLst>
@@ -4205,53 +4205,13 @@
         </p:sp>
         <p:sp>
           <p:nvSpPr>
-            <p:cNvPr id="13" name="pl12"/>
+            <p:cNvPr id="13" name="tx12"/>
             <p:cNvSpPr/>
             <p:nvPr/>
           </p:nvSpPr>
           <p:spPr>
             <a:xfrm>
-              <a:off x="6608791" y="3693188"/>
-              <a:ext cx="86230" cy="89550"/>
-            </a:xfrm>
-            <a:custGeom>
-              <a:avLst/>
-              <a:pathLst>
-                <a:path w="86230" h="89550">
-                  <a:moveTo>
-                    <a:pt x="86230" y="89550"/>
-                  </a:moveTo>
-                  <a:lnTo>
-                    <a:pt x="0" y="0"/>
-                  </a:lnTo>
-                </a:path>
-              </a:pathLst>
-            </a:custGeom>
-            <a:ln w="13550" cap="rnd">
-              <a:solidFill>
-                <a:srgbClr val="000000">
-                  <a:alpha val="100000"/>
-                </a:srgbClr>
-              </a:solidFill>
-              <a:prstDash val="solid"/>
-              <a:round/>
-            </a:ln>
-          </p:spPr>
-          <p:txBody>
-            <a:bodyPr/>
-            <a:lstStyle/>
-            <a:p/>
-          </p:txBody>
-        </p:sp>
-        <p:sp>
-          <p:nvSpPr>
-            <p:cNvPr id="14" name="tx13"/>
-            <p:cNvSpPr/>
-            <p:nvPr/>
-          </p:nvSpPr>
-          <p:spPr>
-            <a:xfrm>
-              <a:off x="3336231" y="2851526"/>
+              <a:off x="3339135" y="2780719"/>
               <a:ext cx="2121202" cy="203471"/>
             </a:xfrm>
             <a:prstGeom prst="rect">
@@ -4291,13 +4251,13 @@
         </p:sp>
         <p:sp>
           <p:nvSpPr>
-            <p:cNvPr id="15" name="tx14"/>
+            <p:cNvPr id="14" name="tx13"/>
             <p:cNvSpPr/>
             <p:nvPr/>
           </p:nvSpPr>
           <p:spPr>
             <a:xfrm>
-              <a:off x="3968929" y="3203643"/>
+              <a:off x="3971833" y="3132836"/>
               <a:ext cx="855806" cy="163560"/>
             </a:xfrm>
             <a:prstGeom prst="rect">
@@ -4337,13 +4297,13 @@
         </p:sp>
         <p:sp>
           <p:nvSpPr>
-            <p:cNvPr id="16" name="tx15"/>
+            <p:cNvPr id="15" name="tx14"/>
             <p:cNvSpPr/>
             <p:nvPr/>
           </p:nvSpPr>
           <p:spPr>
             <a:xfrm>
-              <a:off x="4547349" y="2338109"/>
+              <a:off x="4503196" y="2266448"/>
               <a:ext cx="1566579" cy="157737"/>
             </a:xfrm>
             <a:prstGeom prst="rect">
@@ -4383,13 +4343,13 @@
         </p:sp>
         <p:sp>
           <p:nvSpPr>
-            <p:cNvPr id="17" name="tx16"/>
+            <p:cNvPr id="16" name="tx15"/>
             <p:cNvSpPr/>
             <p:nvPr/>
           </p:nvSpPr>
           <p:spPr>
             <a:xfrm>
-              <a:off x="4902736" y="2644493"/>
+              <a:off x="4858582" y="2572832"/>
               <a:ext cx="855806" cy="163560"/>
             </a:xfrm>
             <a:prstGeom prst="rect">
@@ -4429,13 +4389,13 @@
         </p:sp>
         <p:sp>
           <p:nvSpPr>
-            <p:cNvPr id="18" name="tx17"/>
+            <p:cNvPr id="17" name="tx16"/>
             <p:cNvSpPr/>
             <p:nvPr/>
           </p:nvSpPr>
           <p:spPr>
             <a:xfrm>
-              <a:off x="6205066" y="2685449"/>
+              <a:off x="6156031" y="2659455"/>
               <a:ext cx="2036510" cy="157737"/>
             </a:xfrm>
             <a:prstGeom prst="rect">
@@ -4475,13 +4435,13 @@
         </p:sp>
         <p:sp>
           <p:nvSpPr>
-            <p:cNvPr id="19" name="tx18"/>
+            <p:cNvPr id="18" name="tx17"/>
             <p:cNvSpPr/>
             <p:nvPr/>
           </p:nvSpPr>
           <p:spPr>
             <a:xfrm>
-              <a:off x="6795418" y="2991833"/>
+              <a:off x="6746383" y="2965839"/>
               <a:ext cx="855806" cy="163560"/>
             </a:xfrm>
             <a:prstGeom prst="rect">
@@ -4521,13 +4481,13 @@
         </p:sp>
         <p:sp>
           <p:nvSpPr>
-            <p:cNvPr id="20" name="tx19"/>
+            <p:cNvPr id="19" name="tx18"/>
             <p:cNvSpPr/>
             <p:nvPr/>
           </p:nvSpPr>
           <p:spPr>
             <a:xfrm>
-              <a:off x="5891145" y="3204627"/>
+              <a:off x="5956080" y="3177734"/>
               <a:ext cx="1012168" cy="198283"/>
             </a:xfrm>
             <a:prstGeom prst="rect">
@@ -4567,13 +4527,13 @@
         </p:sp>
         <p:sp>
           <p:nvSpPr>
-            <p:cNvPr id="21" name="tx20"/>
+            <p:cNvPr id="20" name="tx19"/>
             <p:cNvSpPr/>
             <p:nvPr/>
           </p:nvSpPr>
           <p:spPr>
             <a:xfrm>
-              <a:off x="6029615" y="3551557"/>
+              <a:off x="6094551" y="3524664"/>
               <a:ext cx="735227" cy="163560"/>
             </a:xfrm>
             <a:prstGeom prst="rect">
@@ -4613,13 +4573,13 @@
         </p:sp>
         <p:sp>
           <p:nvSpPr>
-            <p:cNvPr id="22" name="tx21"/>
+            <p:cNvPr id="21" name="tx20"/>
             <p:cNvSpPr/>
             <p:nvPr/>
           </p:nvSpPr>
           <p:spPr>
             <a:xfrm>
-              <a:off x="6352304" y="3762511"/>
+              <a:off x="6416841" y="3735837"/>
               <a:ext cx="1205158" cy="198283"/>
             </a:xfrm>
             <a:prstGeom prst="rect">
@@ -4659,13 +4619,13 @@
         </p:sp>
         <p:sp>
           <p:nvSpPr>
-            <p:cNvPr id="23" name="tx22"/>
+            <p:cNvPr id="22" name="tx21"/>
             <p:cNvSpPr/>
             <p:nvPr/>
           </p:nvSpPr>
           <p:spPr>
             <a:xfrm>
-              <a:off x="6526980" y="4109441"/>
+              <a:off x="6591517" y="4082767"/>
               <a:ext cx="855806" cy="163560"/>
             </a:xfrm>
             <a:prstGeom prst="rect">
@@ -4705,13 +4665,13 @@
         </p:sp>
         <p:sp>
           <p:nvSpPr>
-            <p:cNvPr id="24" name="tx23"/>
+            <p:cNvPr id="23" name="tx22"/>
             <p:cNvSpPr/>
             <p:nvPr/>
           </p:nvSpPr>
           <p:spPr>
             <a:xfrm>
-              <a:off x="4391719" y="4588513"/>
+              <a:off x="3805874" y="5174250"/>
               <a:ext cx="1156990" cy="198283"/>
             </a:xfrm>
             <a:prstGeom prst="rect">
@@ -4751,13 +4711,13 @@
         </p:sp>
         <p:sp>
           <p:nvSpPr>
-            <p:cNvPr id="25" name="tx24"/>
+            <p:cNvPr id="24" name="tx23"/>
             <p:cNvSpPr/>
             <p:nvPr/>
           </p:nvSpPr>
           <p:spPr>
             <a:xfrm>
-              <a:off x="4482021" y="4935443"/>
+              <a:off x="3896176" y="5521180"/>
               <a:ext cx="976386" cy="163560"/>
             </a:xfrm>
             <a:prstGeom prst="rect">
@@ -4797,7 +4757,7 @@
         </p:sp>
         <p:sp>
           <p:nvSpPr>
-            <p:cNvPr id="26" name="tx25"/>
+            <p:cNvPr id="25" name="tx24"/>
             <p:cNvSpPr/>
             <p:nvPr/>
           </p:nvSpPr>

--- a/Images/Figures_PPT/PieWithRAPTOR.pptx
+++ b/Images/Figures_PPT/PieWithRAPTOR.pptx
@@ -4131,18 +4131,18 @@
           </p:nvSpPr>
           <p:spPr>
             <a:xfrm>
-              <a:off x="5387759" y="2759252"/>
-              <a:ext cx="168551" cy="218478"/>
+              <a:off x="5415800" y="2802222"/>
+              <a:ext cx="140323" cy="175655"/>
             </a:xfrm>
             <a:custGeom>
               <a:avLst/>
               <a:pathLst>
-                <a:path w="168551" h="218478">
+                <a:path w="140323" h="175655">
                   <a:moveTo>
                     <a:pt x="0" y="0"/>
                   </a:moveTo>
                   <a:lnTo>
-                    <a:pt x="168551" y="218478"/>
+                    <a:pt x="140323" y="175655"/>
                   </a:lnTo>
                 </a:path>
               </a:pathLst>
@@ -4171,18 +4171,18 @@
           </p:nvSpPr>
           <p:spPr>
             <a:xfrm>
-              <a:off x="5919016" y="2927070"/>
-              <a:ext cx="214154" cy="125849"/>
+              <a:off x="5919287" y="2920016"/>
+              <a:ext cx="248918" cy="133387"/>
             </a:xfrm>
             <a:custGeom>
               <a:avLst/>
               <a:pathLst>
-                <a:path w="214154" h="125849">
+                <a:path w="248918" h="133387">
                   <a:moveTo>
-                    <a:pt x="214154" y="0"/>
+                    <a:pt x="248918" y="0"/>
                   </a:moveTo>
                   <a:lnTo>
-                    <a:pt x="0" y="125849"/>
+                    <a:pt x="0" y="133387"/>
                   </a:lnTo>
                 </a:path>
               </a:pathLst>
@@ -4211,7 +4211,7 @@
           </p:nvSpPr>
           <p:spPr>
             <a:xfrm>
-              <a:off x="3339135" y="2780719"/>
+              <a:off x="3340177" y="2822748"/>
               <a:ext cx="2121202" cy="203471"/>
             </a:xfrm>
             <a:prstGeom prst="rect">
@@ -4257,7 +4257,7 @@
           </p:nvSpPr>
           <p:spPr>
             <a:xfrm>
-              <a:off x="3971833" y="3132836"/>
+              <a:off x="3972875" y="3174865"/>
               <a:ext cx="855806" cy="163560"/>
             </a:xfrm>
             <a:prstGeom prst="rect">
@@ -4303,7 +4303,7 @@
           </p:nvSpPr>
           <p:spPr>
             <a:xfrm>
-              <a:off x="4503196" y="2266448"/>
+              <a:off x="4533739" y="2309418"/>
               <a:ext cx="1566579" cy="157737"/>
             </a:xfrm>
             <a:prstGeom prst="rect">
@@ -4349,7 +4349,7 @@
           </p:nvSpPr>
           <p:spPr>
             <a:xfrm>
-              <a:off x="4858582" y="2572832"/>
+              <a:off x="4889125" y="2615802"/>
               <a:ext cx="855806" cy="163560"/>
             </a:xfrm>
             <a:prstGeom prst="rect">
@@ -4395,7 +4395,7 @@
           </p:nvSpPr>
           <p:spPr>
             <a:xfrm>
-              <a:off x="6156031" y="2659455"/>
+              <a:off x="6191066" y="2657951"/>
               <a:ext cx="2036510" cy="157737"/>
             </a:xfrm>
             <a:prstGeom prst="rect">
@@ -4441,7 +4441,7 @@
           </p:nvSpPr>
           <p:spPr>
             <a:xfrm>
-              <a:off x="6746383" y="2965839"/>
+              <a:off x="6781418" y="2964335"/>
               <a:ext cx="855806" cy="163560"/>
             </a:xfrm>
             <a:prstGeom prst="rect">
@@ -4487,7 +4487,7 @@
           </p:nvSpPr>
           <p:spPr>
             <a:xfrm>
-              <a:off x="5956080" y="3177734"/>
+              <a:off x="5955714" y="3177188"/>
               <a:ext cx="1012168" cy="198283"/>
             </a:xfrm>
             <a:prstGeom prst="rect">
@@ -4533,7 +4533,7 @@
           </p:nvSpPr>
           <p:spPr>
             <a:xfrm>
-              <a:off x="6094551" y="3524664"/>
+              <a:off x="6094185" y="3524118"/>
               <a:ext cx="735227" cy="163560"/>
             </a:xfrm>
             <a:prstGeom prst="rect">
@@ -4579,7 +4579,7 @@
           </p:nvSpPr>
           <p:spPr>
             <a:xfrm>
-              <a:off x="6416841" y="3735837"/>
+              <a:off x="6417309" y="3735751"/>
               <a:ext cx="1205158" cy="198283"/>
             </a:xfrm>
             <a:prstGeom prst="rect">
@@ -4625,7 +4625,7 @@
           </p:nvSpPr>
           <p:spPr>
             <a:xfrm>
-              <a:off x="6591517" y="4082767"/>
+              <a:off x="6591985" y="4082681"/>
               <a:ext cx="855806" cy="163560"/>
             </a:xfrm>
             <a:prstGeom prst="rect">
@@ -4671,7 +4671,7 @@
           </p:nvSpPr>
           <p:spPr>
             <a:xfrm>
-              <a:off x="3805874" y="5174250"/>
+              <a:off x="3805190" y="5175123"/>
               <a:ext cx="1156990" cy="198283"/>
             </a:xfrm>
             <a:prstGeom prst="rect">
@@ -4717,7 +4717,7 @@
           </p:nvSpPr>
           <p:spPr>
             <a:xfrm>
-              <a:off x="3896176" y="5521180"/>
+              <a:off x="3895492" y="5522053"/>
               <a:ext cx="976386" cy="163560"/>
             </a:xfrm>
             <a:prstGeom prst="rect">

--- a/Images/Figures_PPT/PieWithRAPTOR.pptx
+++ b/Images/Figures_PPT/PieWithRAPTOR.pptx
@@ -4131,18 +4131,18 @@
           </p:nvSpPr>
           <p:spPr>
             <a:xfrm>
-              <a:off x="5415800" y="2802222"/>
-              <a:ext cx="140323" cy="175655"/>
+              <a:off x="5408319" y="2791323"/>
+              <a:ext cx="147845" cy="186521"/>
             </a:xfrm>
             <a:custGeom>
               <a:avLst/>
               <a:pathLst>
-                <a:path w="140323" h="175655">
+                <a:path w="147845" h="186521">
                   <a:moveTo>
                     <a:pt x="0" y="0"/>
                   </a:moveTo>
                   <a:lnTo>
-                    <a:pt x="140323" y="175655"/>
+                    <a:pt x="147845" y="186521"/>
                   </a:lnTo>
                 </a:path>
               </a:pathLst>
@@ -4171,18 +4171,18 @@
           </p:nvSpPr>
           <p:spPr>
             <a:xfrm>
-              <a:off x="5919287" y="2920016"/>
-              <a:ext cx="248918" cy="133387"/>
+              <a:off x="5919200" y="2922217"/>
+              <a:ext cx="237106" cy="131027"/>
             </a:xfrm>
             <a:custGeom>
               <a:avLst/>
               <a:pathLst>
-                <a:path w="248918" h="133387">
+                <a:path w="237106" h="131027">
                   <a:moveTo>
-                    <a:pt x="248918" y="0"/>
+                    <a:pt x="237106" y="0"/>
                   </a:moveTo>
                   <a:lnTo>
-                    <a:pt x="0" y="133387"/>
+                    <a:pt x="0" y="131027"/>
                   </a:lnTo>
                 </a:path>
               </a:pathLst>
@@ -4211,7 +4211,7 @@
           </p:nvSpPr>
           <p:spPr>
             <a:xfrm>
-              <a:off x="3340177" y="2822748"/>
+              <a:off x="3337773" y="2812631"/>
               <a:ext cx="2121202" cy="203471"/>
             </a:xfrm>
             <a:prstGeom prst="rect">
@@ -4257,7 +4257,7 @@
           </p:nvSpPr>
           <p:spPr>
             <a:xfrm>
-              <a:off x="3972875" y="3174865"/>
+              <a:off x="3970470" y="3164748"/>
               <a:ext cx="855806" cy="163560"/>
             </a:xfrm>
             <a:prstGeom prst="rect">
@@ -4303,7 +4303,7 @@
           </p:nvSpPr>
           <p:spPr>
             <a:xfrm>
-              <a:off x="4533739" y="2309418"/>
+              <a:off x="4524784" y="2298519"/>
               <a:ext cx="1566579" cy="157737"/>
             </a:xfrm>
             <a:prstGeom prst="rect">
@@ -4349,7 +4349,7 @@
           </p:nvSpPr>
           <p:spPr>
             <a:xfrm>
-              <a:off x="4889125" y="2615802"/>
+              <a:off x="4880170" y="2604903"/>
               <a:ext cx="855806" cy="163560"/>
             </a:xfrm>
             <a:prstGeom prst="rect">
@@ -4395,7 +4395,7 @@
           </p:nvSpPr>
           <p:spPr>
             <a:xfrm>
-              <a:off x="6191066" y="2657951"/>
+              <a:off x="6179167" y="2658429"/>
               <a:ext cx="2036510" cy="157737"/>
             </a:xfrm>
             <a:prstGeom prst="rect">
@@ -4441,7 +4441,7 @@
           </p:nvSpPr>
           <p:spPr>
             <a:xfrm>
-              <a:off x="6781418" y="2964335"/>
+              <a:off x="6769519" y="2964813"/>
               <a:ext cx="855806" cy="163560"/>
             </a:xfrm>
             <a:prstGeom prst="rect">
@@ -4487,7 +4487,7 @@
           </p:nvSpPr>
           <p:spPr>
             <a:xfrm>
-              <a:off x="5955714" y="3177188"/>
+              <a:off x="5955104" y="3176552"/>
               <a:ext cx="1012168" cy="198283"/>
             </a:xfrm>
             <a:prstGeom prst="rect">
@@ -4533,7 +4533,7 @@
           </p:nvSpPr>
           <p:spPr>
             <a:xfrm>
-              <a:off x="6094185" y="3524118"/>
+              <a:off x="6093574" y="3523482"/>
               <a:ext cx="735227" cy="163560"/>
             </a:xfrm>
             <a:prstGeom prst="rect">
@@ -4579,7 +4579,7 @@
           </p:nvSpPr>
           <p:spPr>
             <a:xfrm>
-              <a:off x="6417309" y="3735751"/>
+              <a:off x="6415534" y="3734255"/>
               <a:ext cx="1205158" cy="198283"/>
             </a:xfrm>
             <a:prstGeom prst="rect">
@@ -4625,7 +4625,7 @@
           </p:nvSpPr>
           <p:spPr>
             <a:xfrm>
-              <a:off x="6591985" y="4082681"/>
+              <a:off x="6590210" y="4081185"/>
               <a:ext cx="855806" cy="163560"/>
             </a:xfrm>
             <a:prstGeom prst="rect">
@@ -4671,7 +4671,7 @@
           </p:nvSpPr>
           <p:spPr>
             <a:xfrm>
-              <a:off x="3805190" y="5175123"/>
+              <a:off x="3805218" y="5175091"/>
               <a:ext cx="1156990" cy="198283"/>
             </a:xfrm>
             <a:prstGeom prst="rect">
@@ -4717,7 +4717,7 @@
           </p:nvSpPr>
           <p:spPr>
             <a:xfrm>
-              <a:off x="3895492" y="5522053"/>
+              <a:off x="3895520" y="5522020"/>
               <a:ext cx="976386" cy="163560"/>
             </a:xfrm>
             <a:prstGeom prst="rect">

--- a/Images/Figures_PPT/PieWithRAPTOR.pptx
+++ b/Images/Figures_PPT/PieWithRAPTOR.pptx
@@ -4131,18 +4131,18 @@
           </p:nvSpPr>
           <p:spPr>
             <a:xfrm>
-              <a:off x="5408319" y="2791323"/>
-              <a:ext cx="147845" cy="186521"/>
+              <a:off x="5411808" y="2798817"/>
+              <a:ext cx="144270" cy="179096"/>
             </a:xfrm>
             <a:custGeom>
               <a:avLst/>
               <a:pathLst>
-                <a:path w="147845" h="186521">
+                <a:path w="144270" h="179096">
                   <a:moveTo>
                     <a:pt x="0" y="0"/>
                   </a:moveTo>
                   <a:lnTo>
-                    <a:pt x="147845" y="186521"/>
+                    <a:pt x="144270" y="179096"/>
                   </a:lnTo>
                 </a:path>
               </a:pathLst>
@@ -4171,18 +4171,18 @@
           </p:nvSpPr>
           <p:spPr>
             <a:xfrm>
-              <a:off x="5919200" y="2922217"/>
-              <a:ext cx="237106" cy="131027"/>
+              <a:off x="5919204" y="2921697"/>
+              <a:ext cx="238384" cy="131553"/>
             </a:xfrm>
             <a:custGeom>
               <a:avLst/>
               <a:pathLst>
-                <a:path w="237106" h="131027">
+                <a:path w="238384" h="131553">
                   <a:moveTo>
-                    <a:pt x="237106" y="0"/>
+                    <a:pt x="238384" y="0"/>
                   </a:moveTo>
                   <a:lnTo>
-                    <a:pt x="0" y="131027"/>
+                    <a:pt x="0" y="131553"/>
                   </a:lnTo>
                 </a:path>
               </a:pathLst>
@@ -4211,7 +4211,7 @@
           </p:nvSpPr>
           <p:spPr>
             <a:xfrm>
-              <a:off x="3337773" y="2812631"/>
+              <a:off x="3340091" y="2818141"/>
               <a:ext cx="2121202" cy="203471"/>
             </a:xfrm>
             <a:prstGeom prst="rect">
@@ -4257,7 +4257,7 @@
           </p:nvSpPr>
           <p:spPr>
             <a:xfrm>
-              <a:off x="3970470" y="3164748"/>
+              <a:off x="3972789" y="3170258"/>
               <a:ext cx="855806" cy="163560"/>
             </a:xfrm>
             <a:prstGeom prst="rect">
@@ -4303,7 +4303,7 @@
           </p:nvSpPr>
           <p:spPr>
             <a:xfrm>
-              <a:off x="4524784" y="2298519"/>
+              <a:off x="4523238" y="2306013"/>
               <a:ext cx="1566579" cy="157737"/>
             </a:xfrm>
             <a:prstGeom prst="rect">
@@ -4349,7 +4349,7 @@
           </p:nvSpPr>
           <p:spPr>
             <a:xfrm>
-              <a:off x="4880170" y="2604903"/>
+              <a:off x="4878624" y="2612397"/>
               <a:ext cx="855806" cy="163560"/>
             </a:xfrm>
             <a:prstGeom prst="rect">
@@ -4395,7 +4395,7 @@
           </p:nvSpPr>
           <p:spPr>
             <a:xfrm>
-              <a:off x="6179167" y="2658429"/>
+              <a:off x="6180449" y="2657905"/>
               <a:ext cx="2036510" cy="157737"/>
             </a:xfrm>
             <a:prstGeom prst="rect">
@@ -4441,7 +4441,7 @@
           </p:nvSpPr>
           <p:spPr>
             <a:xfrm>
-              <a:off x="6769519" y="2964813"/>
+              <a:off x="6770801" y="2964289"/>
               <a:ext cx="855806" cy="163560"/>
             </a:xfrm>
             <a:prstGeom prst="rect">
@@ -4487,7 +4487,7 @@
           </p:nvSpPr>
           <p:spPr>
             <a:xfrm>
-              <a:off x="5955104" y="3176552"/>
+              <a:off x="5955358" y="3176383"/>
               <a:ext cx="1012168" cy="198283"/>
             </a:xfrm>
             <a:prstGeom prst="rect">
@@ -4533,7 +4533,7 @@
           </p:nvSpPr>
           <p:spPr>
             <a:xfrm>
-              <a:off x="6093574" y="3523482"/>
+              <a:off x="6093828" y="3523313"/>
               <a:ext cx="735227" cy="163560"/>
             </a:xfrm>
             <a:prstGeom prst="rect">
@@ -4579,7 +4579,7 @@
           </p:nvSpPr>
           <p:spPr>
             <a:xfrm>
-              <a:off x="6415534" y="3734255"/>
+              <a:off x="6415355" y="3734155"/>
               <a:ext cx="1205158" cy="198283"/>
             </a:xfrm>
             <a:prstGeom prst="rect">
@@ -4625,7 +4625,7 @@
           </p:nvSpPr>
           <p:spPr>
             <a:xfrm>
-              <a:off x="6590210" y="4081185"/>
+              <a:off x="6590031" y="4081085"/>
               <a:ext cx="855806" cy="163560"/>
             </a:xfrm>
             <a:prstGeom prst="rect">
@@ -4671,7 +4671,7 @@
           </p:nvSpPr>
           <p:spPr>
             <a:xfrm>
-              <a:off x="3805218" y="5175091"/>
+              <a:off x="4392069" y="4588153"/>
               <a:ext cx="1156990" cy="198283"/>
             </a:xfrm>
             <a:prstGeom prst="rect">
@@ -4717,7 +4717,7 @@
           </p:nvSpPr>
           <p:spPr>
             <a:xfrm>
-              <a:off x="3895520" y="5522020"/>
+              <a:off x="4482371" y="4935083"/>
               <a:ext cx="976386" cy="163560"/>
             </a:xfrm>
             <a:prstGeom prst="rect">
